--- a/slides/Track-Standards.pptx
+++ b/slides/Track-Standards.pptx
@@ -7,6 +7,9 @@
   <p:sldIdLst>
     <p:sldId id="256" r:id="rId2"/>
     <p:sldId id="257" r:id="rId3"/>
+    <p:sldId id="258" r:id="rId4"/>
+    <p:sldId id="259" r:id="rId5"/>
+    <p:sldId id="261" r:id="rId6"/>
   </p:sldIdLst>
   <p:sldSz cx="12192000" cy="6858000"/>
   <p:notesSz cx="6858000" cy="9144000"/>
@@ -3417,6 +3420,58 @@
       </p:grpSpPr>
       <p:sp>
         <p:nvSpPr>
+          <p:cNvPr id="13" name="Rectangle 12">
+            <a:extLst>
+              <a:ext uri="{FF2B5EF4-FFF2-40B4-BE49-F238E27FC236}">
+                <a16:creationId xmlns:a16="http://schemas.microsoft.com/office/drawing/2014/main" id="{77EDB922-061F-AC24-5C3B-3F3CE84D8F13}"/>
+              </a:ext>
+            </a:extLst>
+          </p:cNvPr>
+          <p:cNvSpPr/>
+          <p:nvPr/>
+        </p:nvSpPr>
+        <p:spPr>
+          <a:xfrm>
+            <a:off x="1317523" y="1690688"/>
+            <a:ext cx="8141109" cy="3087789"/>
+          </a:xfrm>
+          <a:prstGeom prst="rect">
+            <a:avLst/>
+          </a:prstGeom>
+          <a:solidFill>
+            <a:schemeClr val="tx1">
+              <a:lumMod val="50000"/>
+              <a:lumOff val="50000"/>
+            </a:schemeClr>
+          </a:solidFill>
+        </p:spPr>
+        <p:style>
+          <a:lnRef idx="2">
+            <a:schemeClr val="accent1">
+              <a:shade val="15000"/>
+            </a:schemeClr>
+          </a:lnRef>
+          <a:fillRef idx="1">
+            <a:schemeClr val="accent1"/>
+          </a:fillRef>
+          <a:effectRef idx="0">
+            <a:schemeClr val="accent1"/>
+          </a:effectRef>
+          <a:fontRef idx="minor">
+            <a:schemeClr val="lt1"/>
+          </a:fontRef>
+        </p:style>
+        <p:txBody>
+          <a:bodyPr rtlCol="0" anchor="ctr"/>
+          <a:lstStyle/>
+          <a:p>
+            <a:pPr algn="ctr"/>
+            <a:endParaRPr lang="en-US"/>
+          </a:p>
+        </p:txBody>
+      </p:sp>
+      <p:sp>
+        <p:nvSpPr>
           <p:cNvPr id="2" name="Title 1">
             <a:extLst>
               <a:ext uri="{FF2B5EF4-FFF2-40B4-BE49-F238E27FC236}">
@@ -3438,7 +3493,7 @@
           <a:p>
             <a:r>
               <a:rPr lang="en-US" dirty="0"/>
-              <a:t>Two-Foot Wide Track Standard</a:t>
+              <a:t>Two-Foot-Wide Track Standard</a:t>
             </a:r>
           </a:p>
         </p:txBody>
@@ -3799,8 +3854,8 @@
         </p:nvSpPr>
         <p:spPr>
           <a:xfrm>
-            <a:off x="4936446" y="1778556"/>
-            <a:ext cx="2051459" cy="369332"/>
+            <a:off x="4342499" y="2127407"/>
+            <a:ext cx="2651688" cy="369332"/>
           </a:xfrm>
           <a:prstGeom prst="rect">
             <a:avLst/>
@@ -3815,7 +3870,46 @@
           <a:p>
             <a:r>
               <a:rPr lang="en-US" dirty="0"/>
-              <a:t>2-inch-wide borders</a:t>
+              <a:t>2-inch-wide white borders</a:t>
+            </a:r>
+          </a:p>
+        </p:txBody>
+      </p:sp>
+      <p:sp>
+        <p:nvSpPr>
+          <p:cNvPr id="14" name="TextBox 13">
+            <a:extLst>
+              <a:ext uri="{FF2B5EF4-FFF2-40B4-BE49-F238E27FC236}">
+                <a16:creationId xmlns:a16="http://schemas.microsoft.com/office/drawing/2014/main" id="{BA6BE2E1-0F00-CED7-AFEC-3F579E1358B5}"/>
+              </a:ext>
+            </a:extLst>
+          </p:cNvPr>
+          <p:cNvSpPr txBox="1"/>
+          <p:nvPr/>
+        </p:nvSpPr>
+        <p:spPr>
+          <a:xfrm>
+            <a:off x="3964261" y="4337960"/>
+            <a:ext cx="4294637" cy="369332"/>
+          </a:xfrm>
+          <a:prstGeom prst="rect">
+            <a:avLst/>
+          </a:prstGeom>
+          <a:noFill/>
+        </p:spPr>
+        <p:txBody>
+          <a:bodyPr wrap="none" rtlCol="0">
+            <a:spAutoFit/>
+          </a:bodyPr>
+          <a:lstStyle/>
+          <a:p>
+            <a:r>
+              <a:rPr lang="en-US" dirty="0">
+                <a:solidFill>
+                  <a:schemeClr val="bg1"/>
+                </a:solidFill>
+              </a:rPr>
+              <a:t>Any color background that is not near white</a:t>
             </a:r>
           </a:p>
         </p:txBody>
@@ -3824,6 +3918,1458 @@
     <p:extLst>
       <p:ext uri="{BB962C8B-B14F-4D97-AF65-F5344CB8AC3E}">
         <p14:creationId xmlns:p14="http://schemas.microsoft.com/office/powerpoint/2010/main" val="2306284747"/>
+      </p:ext>
+    </p:extLst>
+  </p:cSld>
+  <p:clrMapOvr>
+    <a:masterClrMapping/>
+  </p:clrMapOvr>
+</p:sld>
+</file>
+
+<file path=ppt/slides/slide3.xml><?xml version="1.0" encoding="utf-8"?>
+<p:sld xmlns:a="http://schemas.openxmlformats.org/drawingml/2006/main" xmlns:r="http://schemas.openxmlformats.org/officeDocument/2006/relationships" xmlns:p="http://schemas.openxmlformats.org/presentationml/2006/main">
+  <p:cSld>
+    <p:spTree>
+      <p:nvGrpSpPr>
+        <p:cNvPr id="1" name=""/>
+        <p:cNvGrpSpPr/>
+        <p:nvPr/>
+      </p:nvGrpSpPr>
+      <p:grpSpPr>
+        <a:xfrm>
+          <a:off x="0" y="0"/>
+          <a:ext cx="0" cy="0"/>
+          <a:chOff x="0" y="0"/>
+          <a:chExt cx="0" cy="0"/>
+        </a:xfrm>
+      </p:grpSpPr>
+      <p:sp>
+        <p:nvSpPr>
+          <p:cNvPr id="2" name="Title 1">
+            <a:extLst>
+              <a:ext uri="{FF2B5EF4-FFF2-40B4-BE49-F238E27FC236}">
+                <a16:creationId xmlns:a16="http://schemas.microsoft.com/office/drawing/2014/main" id="{FD5D0B36-91A2-E668-DE9F-E86BE66F0165}"/>
+              </a:ext>
+            </a:extLst>
+          </p:cNvPr>
+          <p:cNvSpPr>
+            <a:spLocks noGrp="1"/>
+          </p:cNvSpPr>
+          <p:nvPr>
+            <p:ph type="title"/>
+          </p:nvPr>
+        </p:nvSpPr>
+        <p:spPr>
+          <a:xfrm>
+            <a:off x="326923" y="217642"/>
+            <a:ext cx="3261851" cy="804914"/>
+          </a:xfrm>
+        </p:spPr>
+        <p:txBody>
+          <a:bodyPr/>
+          <a:lstStyle/>
+          <a:p>
+            <a:r>
+              <a:rPr lang="en-US" dirty="0"/>
+              <a:t>Track Layout</a:t>
+            </a:r>
+          </a:p>
+        </p:txBody>
+      </p:sp>
+      <p:pic>
+        <p:nvPicPr>
+          <p:cNvPr id="6" name="Picture 5">
+            <a:extLst>
+              <a:ext uri="{FF2B5EF4-FFF2-40B4-BE49-F238E27FC236}">
+                <a16:creationId xmlns:a16="http://schemas.microsoft.com/office/drawing/2014/main" id="{F73CFFAC-0517-FE9F-BBEA-1251793F5520}"/>
+              </a:ext>
+            </a:extLst>
+          </p:cNvPr>
+          <p:cNvPicPr>
+            <a:picLocks noChangeAspect="1"/>
+          </p:cNvPicPr>
+          <p:nvPr/>
+        </p:nvPicPr>
+        <p:blipFill>
+          <a:blip r:embed="rId2"/>
+          <a:stretch>
+            <a:fillRect/>
+          </a:stretch>
+        </p:blipFill>
+        <p:spPr>
+          <a:xfrm>
+            <a:off x="3248628" y="888858"/>
+            <a:ext cx="7772400" cy="5080283"/>
+          </a:xfrm>
+          <a:prstGeom prst="rect">
+            <a:avLst/>
+          </a:prstGeom>
+        </p:spPr>
+      </p:pic>
+    </p:spTree>
+    <p:extLst>
+      <p:ext uri="{BB962C8B-B14F-4D97-AF65-F5344CB8AC3E}">
+        <p14:creationId xmlns:p14="http://schemas.microsoft.com/office/powerpoint/2010/main" val="575444152"/>
+      </p:ext>
+    </p:extLst>
+  </p:cSld>
+  <p:clrMapOvr>
+    <a:masterClrMapping/>
+  </p:clrMapOvr>
+</p:sld>
+</file>
+
+<file path=ppt/slides/slide4.xml><?xml version="1.0" encoding="utf-8"?>
+<p:sld xmlns:a="http://schemas.openxmlformats.org/drawingml/2006/main" xmlns:r="http://schemas.openxmlformats.org/officeDocument/2006/relationships" xmlns:p="http://schemas.openxmlformats.org/presentationml/2006/main">
+  <p:cSld>
+    <p:spTree>
+      <p:nvGrpSpPr>
+        <p:cNvPr id="1" name=""/>
+        <p:cNvGrpSpPr/>
+        <p:nvPr/>
+      </p:nvGrpSpPr>
+      <p:grpSpPr>
+        <a:xfrm>
+          <a:off x="0" y="0"/>
+          <a:ext cx="0" cy="0"/>
+          <a:chOff x="0" y="0"/>
+          <a:chExt cx="0" cy="0"/>
+        </a:xfrm>
+      </p:grpSpPr>
+      <p:sp>
+        <p:nvSpPr>
+          <p:cNvPr id="2" name="Title 1">
+            <a:extLst>
+              <a:ext uri="{FF2B5EF4-FFF2-40B4-BE49-F238E27FC236}">
+                <a16:creationId xmlns:a16="http://schemas.microsoft.com/office/drawing/2014/main" id="{ABB3B5DA-A6E3-23BE-2060-8487F0177489}"/>
+              </a:ext>
+            </a:extLst>
+          </p:cNvPr>
+          <p:cNvSpPr>
+            <a:spLocks noGrp="1"/>
+          </p:cNvSpPr>
+          <p:nvPr>
+            <p:ph type="title"/>
+          </p:nvPr>
+        </p:nvSpPr>
+        <p:spPr>
+          <a:xfrm>
+            <a:off x="838200" y="365125"/>
+            <a:ext cx="10515600" cy="523733"/>
+          </a:xfrm>
+        </p:spPr>
+        <p:txBody>
+          <a:bodyPr>
+            <a:normAutofit fontScale="90000"/>
+          </a:bodyPr>
+          <a:lstStyle/>
+          <a:p>
+            <a:endParaRPr lang="en-US" dirty="0"/>
+          </a:p>
+        </p:txBody>
+      </p:sp>
+      <p:sp>
+        <p:nvSpPr>
+          <p:cNvPr id="6" name="Freeform 5">
+            <a:extLst>
+              <a:ext uri="{FF2B5EF4-FFF2-40B4-BE49-F238E27FC236}">
+                <a16:creationId xmlns:a16="http://schemas.microsoft.com/office/drawing/2014/main" id="{ED8D98C8-2FA7-E60A-4225-85CF5E862297}"/>
+              </a:ext>
+            </a:extLst>
+          </p:cNvPr>
+          <p:cNvSpPr/>
+          <p:nvPr/>
+        </p:nvSpPr>
+        <p:spPr>
+          <a:xfrm>
+            <a:off x="2555535" y="1585363"/>
+            <a:ext cx="7080929" cy="4149133"/>
+          </a:xfrm>
+          <a:custGeom>
+            <a:avLst/>
+            <a:gdLst>
+              <a:gd name="connsiteX0" fmla="*/ 3523849 w 7080929"/>
+              <a:gd name="connsiteY0" fmla="*/ 4120956 h 4149133"/>
+              <a:gd name="connsiteX1" fmla="*/ 1671900 w 7080929"/>
+              <a:gd name="connsiteY1" fmla="*/ 4132530 h 4149133"/>
+              <a:gd name="connsiteX2" fmla="*/ 873246 w 7080929"/>
+              <a:gd name="connsiteY2" fmla="*/ 3866313 h 4149133"/>
+              <a:gd name="connsiteX3" fmla="*/ 387110 w 7080929"/>
+              <a:gd name="connsiteY3" fmla="*/ 3426475 h 4149133"/>
+              <a:gd name="connsiteX4" fmla="*/ 39869 w 7080929"/>
+              <a:gd name="connsiteY4" fmla="*/ 2789867 h 4149133"/>
+              <a:gd name="connsiteX5" fmla="*/ 39869 w 7080929"/>
+              <a:gd name="connsiteY5" fmla="*/ 1944915 h 4149133"/>
+              <a:gd name="connsiteX6" fmla="*/ 329236 w 7080929"/>
+              <a:gd name="connsiteY6" fmla="*/ 1250434 h 4149133"/>
+              <a:gd name="connsiteX7" fmla="*/ 919545 w 7080929"/>
+              <a:gd name="connsiteY7" fmla="*/ 706424 h 4149133"/>
+              <a:gd name="connsiteX8" fmla="*/ 1637176 w 7080929"/>
+              <a:gd name="connsiteY8" fmla="*/ 463356 h 4149133"/>
+              <a:gd name="connsiteX9" fmla="*/ 2447403 w 7080929"/>
+              <a:gd name="connsiteY9" fmla="*/ 590677 h 4149133"/>
+              <a:gd name="connsiteX10" fmla="*/ 3095586 w 7080929"/>
+              <a:gd name="connsiteY10" fmla="*/ 1007366 h 4149133"/>
+              <a:gd name="connsiteX11" fmla="*/ 3651170 w 7080929"/>
+              <a:gd name="connsiteY11" fmla="*/ 1505077 h 4149133"/>
+              <a:gd name="connsiteX12" fmla="*/ 4380376 w 7080929"/>
+              <a:gd name="connsiteY12" fmla="*/ 1690272 h 4149133"/>
+              <a:gd name="connsiteX13" fmla="*/ 5086431 w 7080929"/>
+              <a:gd name="connsiteY13" fmla="*/ 1343032 h 4149133"/>
+              <a:gd name="connsiteX14" fmla="*/ 5711464 w 7080929"/>
+              <a:gd name="connsiteY14" fmla="*/ 741148 h 4149133"/>
+              <a:gd name="connsiteX15" fmla="*/ 6290198 w 7080929"/>
+              <a:gd name="connsiteY15" fmla="*/ 139265 h 4149133"/>
+              <a:gd name="connsiteX16" fmla="*/ 6660588 w 7080929"/>
+              <a:gd name="connsiteY16" fmla="*/ 368 h 4149133"/>
+              <a:gd name="connsiteX17" fmla="*/ 6880507 w 7080929"/>
+              <a:gd name="connsiteY17" fmla="*/ 104541 h 4149133"/>
+              <a:gd name="connsiteX18" fmla="*/ 7019403 w 7080929"/>
+              <a:gd name="connsiteY18" fmla="*/ 278161 h 4149133"/>
+              <a:gd name="connsiteX19" fmla="*/ 7065702 w 7080929"/>
+              <a:gd name="connsiteY19" fmla="*/ 671700 h 4149133"/>
+              <a:gd name="connsiteX20" fmla="*/ 7054127 w 7080929"/>
+              <a:gd name="connsiteY20" fmla="*/ 1285158 h 4149133"/>
+              <a:gd name="connsiteX21" fmla="*/ 7054127 w 7080929"/>
+              <a:gd name="connsiteY21" fmla="*/ 2083811 h 4149133"/>
+              <a:gd name="connsiteX22" fmla="*/ 7065702 w 7080929"/>
+              <a:gd name="connsiteY22" fmla="*/ 2894039 h 4149133"/>
+              <a:gd name="connsiteX23" fmla="*/ 7077277 w 7080929"/>
+              <a:gd name="connsiteY23" fmla="*/ 3715842 h 4149133"/>
+              <a:gd name="connsiteX24" fmla="*/ 6996254 w 7080929"/>
+              <a:gd name="connsiteY24" fmla="*/ 3866313 h 4149133"/>
+              <a:gd name="connsiteX25" fmla="*/ 6892082 w 7080929"/>
+              <a:gd name="connsiteY25" fmla="*/ 4016784 h 4149133"/>
+              <a:gd name="connsiteX26" fmla="*/ 6741611 w 7080929"/>
+              <a:gd name="connsiteY26" fmla="*/ 4120956 h 4149133"/>
+              <a:gd name="connsiteX27" fmla="*/ 6405945 w 7080929"/>
+              <a:gd name="connsiteY27" fmla="*/ 4120956 h 4149133"/>
+              <a:gd name="connsiteX28" fmla="*/ 5792487 w 7080929"/>
+              <a:gd name="connsiteY28" fmla="*/ 4120956 h 4149133"/>
+              <a:gd name="connsiteX29" fmla="*/ 5005408 w 7080929"/>
+              <a:gd name="connsiteY29" fmla="*/ 4132530 h 4149133"/>
+              <a:gd name="connsiteX30" fmla="*/ 4195181 w 7080929"/>
+              <a:gd name="connsiteY30" fmla="*/ 4120956 h 4149133"/>
+              <a:gd name="connsiteX31" fmla="*/ 3523849 w 7080929"/>
+              <a:gd name="connsiteY31" fmla="*/ 4120956 h 4149133"/>
+            </a:gdLst>
+            <a:ahLst/>
+            <a:cxnLst>
+              <a:cxn ang="0">
+                <a:pos x="connsiteX0" y="connsiteY0"/>
+              </a:cxn>
+              <a:cxn ang="0">
+                <a:pos x="connsiteX1" y="connsiteY1"/>
+              </a:cxn>
+              <a:cxn ang="0">
+                <a:pos x="connsiteX2" y="connsiteY2"/>
+              </a:cxn>
+              <a:cxn ang="0">
+                <a:pos x="connsiteX3" y="connsiteY3"/>
+              </a:cxn>
+              <a:cxn ang="0">
+                <a:pos x="connsiteX4" y="connsiteY4"/>
+              </a:cxn>
+              <a:cxn ang="0">
+                <a:pos x="connsiteX5" y="connsiteY5"/>
+              </a:cxn>
+              <a:cxn ang="0">
+                <a:pos x="connsiteX6" y="connsiteY6"/>
+              </a:cxn>
+              <a:cxn ang="0">
+                <a:pos x="connsiteX7" y="connsiteY7"/>
+              </a:cxn>
+              <a:cxn ang="0">
+                <a:pos x="connsiteX8" y="connsiteY8"/>
+              </a:cxn>
+              <a:cxn ang="0">
+                <a:pos x="connsiteX9" y="connsiteY9"/>
+              </a:cxn>
+              <a:cxn ang="0">
+                <a:pos x="connsiteX10" y="connsiteY10"/>
+              </a:cxn>
+              <a:cxn ang="0">
+                <a:pos x="connsiteX11" y="connsiteY11"/>
+              </a:cxn>
+              <a:cxn ang="0">
+                <a:pos x="connsiteX12" y="connsiteY12"/>
+              </a:cxn>
+              <a:cxn ang="0">
+                <a:pos x="connsiteX13" y="connsiteY13"/>
+              </a:cxn>
+              <a:cxn ang="0">
+                <a:pos x="connsiteX14" y="connsiteY14"/>
+              </a:cxn>
+              <a:cxn ang="0">
+                <a:pos x="connsiteX15" y="connsiteY15"/>
+              </a:cxn>
+              <a:cxn ang="0">
+                <a:pos x="connsiteX16" y="connsiteY16"/>
+              </a:cxn>
+              <a:cxn ang="0">
+                <a:pos x="connsiteX17" y="connsiteY17"/>
+              </a:cxn>
+              <a:cxn ang="0">
+                <a:pos x="connsiteX18" y="connsiteY18"/>
+              </a:cxn>
+              <a:cxn ang="0">
+                <a:pos x="connsiteX19" y="connsiteY19"/>
+              </a:cxn>
+              <a:cxn ang="0">
+                <a:pos x="connsiteX20" y="connsiteY20"/>
+              </a:cxn>
+              <a:cxn ang="0">
+                <a:pos x="connsiteX21" y="connsiteY21"/>
+              </a:cxn>
+              <a:cxn ang="0">
+                <a:pos x="connsiteX22" y="connsiteY22"/>
+              </a:cxn>
+              <a:cxn ang="0">
+                <a:pos x="connsiteX23" y="connsiteY23"/>
+              </a:cxn>
+              <a:cxn ang="0">
+                <a:pos x="connsiteX24" y="connsiteY24"/>
+              </a:cxn>
+              <a:cxn ang="0">
+                <a:pos x="connsiteX25" y="connsiteY25"/>
+              </a:cxn>
+              <a:cxn ang="0">
+                <a:pos x="connsiteX26" y="connsiteY26"/>
+              </a:cxn>
+              <a:cxn ang="0">
+                <a:pos x="connsiteX27" y="connsiteY27"/>
+              </a:cxn>
+              <a:cxn ang="0">
+                <a:pos x="connsiteX28" y="connsiteY28"/>
+              </a:cxn>
+              <a:cxn ang="0">
+                <a:pos x="connsiteX29" y="connsiteY29"/>
+              </a:cxn>
+              <a:cxn ang="0">
+                <a:pos x="connsiteX30" y="connsiteY30"/>
+              </a:cxn>
+              <a:cxn ang="0">
+                <a:pos x="connsiteX31" y="connsiteY31"/>
+              </a:cxn>
+            </a:cxnLst>
+            <a:rect l="l" t="t" r="r" b="b"/>
+            <a:pathLst>
+              <a:path w="7080929" h="4149133">
+                <a:moveTo>
+                  <a:pt x="3523849" y="4120956"/>
+                </a:moveTo>
+                <a:cubicBezTo>
+                  <a:pt x="3103302" y="4122885"/>
+                  <a:pt x="2113667" y="4174971"/>
+                  <a:pt x="1671900" y="4132530"/>
+                </a:cubicBezTo>
+                <a:cubicBezTo>
+                  <a:pt x="1230133" y="4090089"/>
+                  <a:pt x="1087378" y="3983989"/>
+                  <a:pt x="873246" y="3866313"/>
+                </a:cubicBezTo>
+                <a:cubicBezTo>
+                  <a:pt x="659114" y="3748637"/>
+                  <a:pt x="526006" y="3605883"/>
+                  <a:pt x="387110" y="3426475"/>
+                </a:cubicBezTo>
+                <a:cubicBezTo>
+                  <a:pt x="248214" y="3247067"/>
+                  <a:pt x="97742" y="3036794"/>
+                  <a:pt x="39869" y="2789867"/>
+                </a:cubicBezTo>
+                <a:cubicBezTo>
+                  <a:pt x="-18004" y="2542940"/>
+                  <a:pt x="-8359" y="2201487"/>
+                  <a:pt x="39869" y="1944915"/>
+                </a:cubicBezTo>
+                <a:cubicBezTo>
+                  <a:pt x="88097" y="1688343"/>
+                  <a:pt x="182623" y="1456849"/>
+                  <a:pt x="329236" y="1250434"/>
+                </a:cubicBezTo>
+                <a:cubicBezTo>
+                  <a:pt x="475849" y="1044019"/>
+                  <a:pt x="701555" y="837604"/>
+                  <a:pt x="919545" y="706424"/>
+                </a:cubicBezTo>
+                <a:cubicBezTo>
+                  <a:pt x="1137535" y="575244"/>
+                  <a:pt x="1382533" y="482647"/>
+                  <a:pt x="1637176" y="463356"/>
+                </a:cubicBezTo>
+                <a:cubicBezTo>
+                  <a:pt x="1891819" y="444065"/>
+                  <a:pt x="2204335" y="500009"/>
+                  <a:pt x="2447403" y="590677"/>
+                </a:cubicBezTo>
+                <a:cubicBezTo>
+                  <a:pt x="2690471" y="681345"/>
+                  <a:pt x="2894958" y="854966"/>
+                  <a:pt x="3095586" y="1007366"/>
+                </a:cubicBezTo>
+                <a:cubicBezTo>
+                  <a:pt x="3296214" y="1159766"/>
+                  <a:pt x="3437038" y="1391259"/>
+                  <a:pt x="3651170" y="1505077"/>
+                </a:cubicBezTo>
+                <a:cubicBezTo>
+                  <a:pt x="3865302" y="1618895"/>
+                  <a:pt x="4141166" y="1717279"/>
+                  <a:pt x="4380376" y="1690272"/>
+                </a:cubicBezTo>
+                <a:cubicBezTo>
+                  <a:pt x="4619586" y="1663265"/>
+                  <a:pt x="4864583" y="1501219"/>
+                  <a:pt x="5086431" y="1343032"/>
+                </a:cubicBezTo>
+                <a:cubicBezTo>
+                  <a:pt x="5308279" y="1184845"/>
+                  <a:pt x="5510836" y="941776"/>
+                  <a:pt x="5711464" y="741148"/>
+                </a:cubicBezTo>
+                <a:cubicBezTo>
+                  <a:pt x="5912092" y="540520"/>
+                  <a:pt x="6132011" y="262728"/>
+                  <a:pt x="6290198" y="139265"/>
+                </a:cubicBezTo>
+                <a:cubicBezTo>
+                  <a:pt x="6448385" y="15802"/>
+                  <a:pt x="6562203" y="6155"/>
+                  <a:pt x="6660588" y="368"/>
+                </a:cubicBezTo>
+                <a:cubicBezTo>
+                  <a:pt x="6758973" y="-5419"/>
+                  <a:pt x="6820705" y="58242"/>
+                  <a:pt x="6880507" y="104541"/>
+                </a:cubicBezTo>
+                <a:cubicBezTo>
+                  <a:pt x="6940309" y="150840"/>
+                  <a:pt x="6988537" y="183635"/>
+                  <a:pt x="7019403" y="278161"/>
+                </a:cubicBezTo>
+                <a:cubicBezTo>
+                  <a:pt x="7050269" y="372687"/>
+                  <a:pt x="7059915" y="503867"/>
+                  <a:pt x="7065702" y="671700"/>
+                </a:cubicBezTo>
+                <a:cubicBezTo>
+                  <a:pt x="7071489" y="839533"/>
+                  <a:pt x="7056056" y="1049806"/>
+                  <a:pt x="7054127" y="1285158"/>
+                </a:cubicBezTo>
+                <a:cubicBezTo>
+                  <a:pt x="7052198" y="1520510"/>
+                  <a:pt x="7052198" y="1815664"/>
+                  <a:pt x="7054127" y="2083811"/>
+                </a:cubicBezTo>
+                <a:cubicBezTo>
+                  <a:pt x="7056056" y="2351958"/>
+                  <a:pt x="7061844" y="2622034"/>
+                  <a:pt x="7065702" y="2894039"/>
+                </a:cubicBezTo>
+                <a:cubicBezTo>
+                  <a:pt x="7069560" y="3166044"/>
+                  <a:pt x="7088852" y="3553796"/>
+                  <a:pt x="7077277" y="3715842"/>
+                </a:cubicBezTo>
+                <a:cubicBezTo>
+                  <a:pt x="7065702" y="3877888"/>
+                  <a:pt x="7027120" y="3816156"/>
+                  <a:pt x="6996254" y="3866313"/>
+                </a:cubicBezTo>
+                <a:cubicBezTo>
+                  <a:pt x="6965388" y="3916470"/>
+                  <a:pt x="6934522" y="3974344"/>
+                  <a:pt x="6892082" y="4016784"/>
+                </a:cubicBezTo>
+                <a:cubicBezTo>
+                  <a:pt x="6849642" y="4059224"/>
+                  <a:pt x="6822634" y="4103594"/>
+                  <a:pt x="6741611" y="4120956"/>
+                </a:cubicBezTo>
+                <a:cubicBezTo>
+                  <a:pt x="6660588" y="4138318"/>
+                  <a:pt x="6405945" y="4120956"/>
+                  <a:pt x="6405945" y="4120956"/>
+                </a:cubicBezTo>
+                <a:lnTo>
+                  <a:pt x="5792487" y="4120956"/>
+                </a:lnTo>
+                <a:lnTo>
+                  <a:pt x="5005408" y="4132530"/>
+                </a:lnTo>
+                <a:cubicBezTo>
+                  <a:pt x="4739190" y="4132530"/>
+                  <a:pt x="4438249" y="4120956"/>
+                  <a:pt x="4195181" y="4120956"/>
+                </a:cubicBezTo>
+                <a:lnTo>
+                  <a:pt x="3523849" y="4120956"/>
+                </a:lnTo>
+                <a:close/>
+              </a:path>
+            </a:pathLst>
+          </a:custGeom>
+          <a:noFill/>
+          <a:ln w="889000">
+            <a:solidFill>
+              <a:schemeClr val="tx1"/>
+            </a:solidFill>
+          </a:ln>
+        </p:spPr>
+        <p:style>
+          <a:lnRef idx="2">
+            <a:schemeClr val="accent1">
+              <a:shade val="15000"/>
+            </a:schemeClr>
+          </a:lnRef>
+          <a:fillRef idx="1">
+            <a:schemeClr val="accent1"/>
+          </a:fillRef>
+          <a:effectRef idx="0">
+            <a:schemeClr val="accent1"/>
+          </a:effectRef>
+          <a:fontRef idx="minor">
+            <a:schemeClr val="lt1"/>
+          </a:fontRef>
+        </p:style>
+        <p:txBody>
+          <a:bodyPr rtlCol="0" anchor="ctr"/>
+          <a:lstStyle/>
+          <a:p>
+            <a:pPr algn="ctr"/>
+            <a:endParaRPr lang="en-US"/>
+          </a:p>
+        </p:txBody>
+      </p:sp>
+    </p:spTree>
+    <p:extLst>
+      <p:ext uri="{BB962C8B-B14F-4D97-AF65-F5344CB8AC3E}">
+        <p14:creationId xmlns:p14="http://schemas.microsoft.com/office/powerpoint/2010/main" val="666545682"/>
+      </p:ext>
+    </p:extLst>
+  </p:cSld>
+  <p:clrMapOvr>
+    <a:masterClrMapping/>
+  </p:clrMapOvr>
+</p:sld>
+</file>
+
+<file path=ppt/slides/slide5.xml><?xml version="1.0" encoding="utf-8"?>
+<p:sld xmlns:a="http://schemas.openxmlformats.org/drawingml/2006/main" xmlns:r="http://schemas.openxmlformats.org/officeDocument/2006/relationships" xmlns:p="http://schemas.openxmlformats.org/presentationml/2006/main">
+  <p:cSld>
+    <p:spTree>
+      <p:nvGrpSpPr>
+        <p:cNvPr id="1" name=""/>
+        <p:cNvGrpSpPr/>
+        <p:nvPr/>
+      </p:nvGrpSpPr>
+      <p:grpSpPr>
+        <a:xfrm>
+          <a:off x="0" y="0"/>
+          <a:ext cx="0" cy="0"/>
+          <a:chOff x="0" y="0"/>
+          <a:chExt cx="0" cy="0"/>
+        </a:xfrm>
+      </p:grpSpPr>
+      <p:sp>
+        <p:nvSpPr>
+          <p:cNvPr id="2" name="Title 1">
+            <a:extLst>
+              <a:ext uri="{FF2B5EF4-FFF2-40B4-BE49-F238E27FC236}">
+                <a16:creationId xmlns:a16="http://schemas.microsoft.com/office/drawing/2014/main" id="{FD5D0B36-91A2-E668-DE9F-E86BE66F0165}"/>
+              </a:ext>
+            </a:extLst>
+          </p:cNvPr>
+          <p:cNvSpPr>
+            <a:spLocks noGrp="1"/>
+          </p:cNvSpPr>
+          <p:nvPr>
+            <p:ph type="title"/>
+          </p:nvPr>
+        </p:nvSpPr>
+        <p:spPr>
+          <a:xfrm>
+            <a:off x="326923" y="217642"/>
+            <a:ext cx="3261851" cy="590078"/>
+          </a:xfrm>
+        </p:spPr>
+        <p:txBody>
+          <a:bodyPr>
+            <a:normAutofit fontScale="90000"/>
+          </a:bodyPr>
+          <a:lstStyle/>
+          <a:p>
+            <a:r>
+              <a:rPr lang="en-US" dirty="0"/>
+              <a:t>Track Layout</a:t>
+            </a:r>
+          </a:p>
+        </p:txBody>
+      </p:sp>
+      <p:sp>
+        <p:nvSpPr>
+          <p:cNvPr id="3" name="Freeform 2">
+            <a:extLst>
+              <a:ext uri="{FF2B5EF4-FFF2-40B4-BE49-F238E27FC236}">
+                <a16:creationId xmlns:a16="http://schemas.microsoft.com/office/drawing/2014/main" id="{6462FA97-D58B-2E41-88C1-552840B76649}"/>
+              </a:ext>
+            </a:extLst>
+          </p:cNvPr>
+          <p:cNvSpPr/>
+          <p:nvPr/>
+        </p:nvSpPr>
+        <p:spPr>
+          <a:xfrm>
+            <a:off x="2365035" y="1354433"/>
+            <a:ext cx="7080929" cy="4149133"/>
+          </a:xfrm>
+          <a:custGeom>
+            <a:avLst/>
+            <a:gdLst>
+              <a:gd name="connsiteX0" fmla="*/ 3523849 w 7080929"/>
+              <a:gd name="connsiteY0" fmla="*/ 4120956 h 4149133"/>
+              <a:gd name="connsiteX1" fmla="*/ 1671900 w 7080929"/>
+              <a:gd name="connsiteY1" fmla="*/ 4132530 h 4149133"/>
+              <a:gd name="connsiteX2" fmla="*/ 873246 w 7080929"/>
+              <a:gd name="connsiteY2" fmla="*/ 3866313 h 4149133"/>
+              <a:gd name="connsiteX3" fmla="*/ 387110 w 7080929"/>
+              <a:gd name="connsiteY3" fmla="*/ 3426475 h 4149133"/>
+              <a:gd name="connsiteX4" fmla="*/ 39869 w 7080929"/>
+              <a:gd name="connsiteY4" fmla="*/ 2789867 h 4149133"/>
+              <a:gd name="connsiteX5" fmla="*/ 39869 w 7080929"/>
+              <a:gd name="connsiteY5" fmla="*/ 1944915 h 4149133"/>
+              <a:gd name="connsiteX6" fmla="*/ 329236 w 7080929"/>
+              <a:gd name="connsiteY6" fmla="*/ 1250434 h 4149133"/>
+              <a:gd name="connsiteX7" fmla="*/ 919545 w 7080929"/>
+              <a:gd name="connsiteY7" fmla="*/ 706424 h 4149133"/>
+              <a:gd name="connsiteX8" fmla="*/ 1637176 w 7080929"/>
+              <a:gd name="connsiteY8" fmla="*/ 463356 h 4149133"/>
+              <a:gd name="connsiteX9" fmla="*/ 2447403 w 7080929"/>
+              <a:gd name="connsiteY9" fmla="*/ 590677 h 4149133"/>
+              <a:gd name="connsiteX10" fmla="*/ 3095586 w 7080929"/>
+              <a:gd name="connsiteY10" fmla="*/ 1007366 h 4149133"/>
+              <a:gd name="connsiteX11" fmla="*/ 3651170 w 7080929"/>
+              <a:gd name="connsiteY11" fmla="*/ 1505077 h 4149133"/>
+              <a:gd name="connsiteX12" fmla="*/ 4380376 w 7080929"/>
+              <a:gd name="connsiteY12" fmla="*/ 1690272 h 4149133"/>
+              <a:gd name="connsiteX13" fmla="*/ 5086431 w 7080929"/>
+              <a:gd name="connsiteY13" fmla="*/ 1343032 h 4149133"/>
+              <a:gd name="connsiteX14" fmla="*/ 5711464 w 7080929"/>
+              <a:gd name="connsiteY14" fmla="*/ 741148 h 4149133"/>
+              <a:gd name="connsiteX15" fmla="*/ 6290198 w 7080929"/>
+              <a:gd name="connsiteY15" fmla="*/ 139265 h 4149133"/>
+              <a:gd name="connsiteX16" fmla="*/ 6660588 w 7080929"/>
+              <a:gd name="connsiteY16" fmla="*/ 368 h 4149133"/>
+              <a:gd name="connsiteX17" fmla="*/ 6880507 w 7080929"/>
+              <a:gd name="connsiteY17" fmla="*/ 104541 h 4149133"/>
+              <a:gd name="connsiteX18" fmla="*/ 7019403 w 7080929"/>
+              <a:gd name="connsiteY18" fmla="*/ 278161 h 4149133"/>
+              <a:gd name="connsiteX19" fmla="*/ 7065702 w 7080929"/>
+              <a:gd name="connsiteY19" fmla="*/ 671700 h 4149133"/>
+              <a:gd name="connsiteX20" fmla="*/ 7054127 w 7080929"/>
+              <a:gd name="connsiteY20" fmla="*/ 1285158 h 4149133"/>
+              <a:gd name="connsiteX21" fmla="*/ 7054127 w 7080929"/>
+              <a:gd name="connsiteY21" fmla="*/ 2083811 h 4149133"/>
+              <a:gd name="connsiteX22" fmla="*/ 7065702 w 7080929"/>
+              <a:gd name="connsiteY22" fmla="*/ 2894039 h 4149133"/>
+              <a:gd name="connsiteX23" fmla="*/ 7077277 w 7080929"/>
+              <a:gd name="connsiteY23" fmla="*/ 3715842 h 4149133"/>
+              <a:gd name="connsiteX24" fmla="*/ 6996254 w 7080929"/>
+              <a:gd name="connsiteY24" fmla="*/ 3866313 h 4149133"/>
+              <a:gd name="connsiteX25" fmla="*/ 6892082 w 7080929"/>
+              <a:gd name="connsiteY25" fmla="*/ 4016784 h 4149133"/>
+              <a:gd name="connsiteX26" fmla="*/ 6741611 w 7080929"/>
+              <a:gd name="connsiteY26" fmla="*/ 4120956 h 4149133"/>
+              <a:gd name="connsiteX27" fmla="*/ 6405945 w 7080929"/>
+              <a:gd name="connsiteY27" fmla="*/ 4120956 h 4149133"/>
+              <a:gd name="connsiteX28" fmla="*/ 5792487 w 7080929"/>
+              <a:gd name="connsiteY28" fmla="*/ 4120956 h 4149133"/>
+              <a:gd name="connsiteX29" fmla="*/ 5005408 w 7080929"/>
+              <a:gd name="connsiteY29" fmla="*/ 4132530 h 4149133"/>
+              <a:gd name="connsiteX30" fmla="*/ 4195181 w 7080929"/>
+              <a:gd name="connsiteY30" fmla="*/ 4120956 h 4149133"/>
+              <a:gd name="connsiteX31" fmla="*/ 3523849 w 7080929"/>
+              <a:gd name="connsiteY31" fmla="*/ 4120956 h 4149133"/>
+            </a:gdLst>
+            <a:ahLst/>
+            <a:cxnLst>
+              <a:cxn ang="0">
+                <a:pos x="connsiteX0" y="connsiteY0"/>
+              </a:cxn>
+              <a:cxn ang="0">
+                <a:pos x="connsiteX1" y="connsiteY1"/>
+              </a:cxn>
+              <a:cxn ang="0">
+                <a:pos x="connsiteX2" y="connsiteY2"/>
+              </a:cxn>
+              <a:cxn ang="0">
+                <a:pos x="connsiteX3" y="connsiteY3"/>
+              </a:cxn>
+              <a:cxn ang="0">
+                <a:pos x="connsiteX4" y="connsiteY4"/>
+              </a:cxn>
+              <a:cxn ang="0">
+                <a:pos x="connsiteX5" y="connsiteY5"/>
+              </a:cxn>
+              <a:cxn ang="0">
+                <a:pos x="connsiteX6" y="connsiteY6"/>
+              </a:cxn>
+              <a:cxn ang="0">
+                <a:pos x="connsiteX7" y="connsiteY7"/>
+              </a:cxn>
+              <a:cxn ang="0">
+                <a:pos x="connsiteX8" y="connsiteY8"/>
+              </a:cxn>
+              <a:cxn ang="0">
+                <a:pos x="connsiteX9" y="connsiteY9"/>
+              </a:cxn>
+              <a:cxn ang="0">
+                <a:pos x="connsiteX10" y="connsiteY10"/>
+              </a:cxn>
+              <a:cxn ang="0">
+                <a:pos x="connsiteX11" y="connsiteY11"/>
+              </a:cxn>
+              <a:cxn ang="0">
+                <a:pos x="connsiteX12" y="connsiteY12"/>
+              </a:cxn>
+              <a:cxn ang="0">
+                <a:pos x="connsiteX13" y="connsiteY13"/>
+              </a:cxn>
+              <a:cxn ang="0">
+                <a:pos x="connsiteX14" y="connsiteY14"/>
+              </a:cxn>
+              <a:cxn ang="0">
+                <a:pos x="connsiteX15" y="connsiteY15"/>
+              </a:cxn>
+              <a:cxn ang="0">
+                <a:pos x="connsiteX16" y="connsiteY16"/>
+              </a:cxn>
+              <a:cxn ang="0">
+                <a:pos x="connsiteX17" y="connsiteY17"/>
+              </a:cxn>
+              <a:cxn ang="0">
+                <a:pos x="connsiteX18" y="connsiteY18"/>
+              </a:cxn>
+              <a:cxn ang="0">
+                <a:pos x="connsiteX19" y="connsiteY19"/>
+              </a:cxn>
+              <a:cxn ang="0">
+                <a:pos x="connsiteX20" y="connsiteY20"/>
+              </a:cxn>
+              <a:cxn ang="0">
+                <a:pos x="connsiteX21" y="connsiteY21"/>
+              </a:cxn>
+              <a:cxn ang="0">
+                <a:pos x="connsiteX22" y="connsiteY22"/>
+              </a:cxn>
+              <a:cxn ang="0">
+                <a:pos x="connsiteX23" y="connsiteY23"/>
+              </a:cxn>
+              <a:cxn ang="0">
+                <a:pos x="connsiteX24" y="connsiteY24"/>
+              </a:cxn>
+              <a:cxn ang="0">
+                <a:pos x="connsiteX25" y="connsiteY25"/>
+              </a:cxn>
+              <a:cxn ang="0">
+                <a:pos x="connsiteX26" y="connsiteY26"/>
+              </a:cxn>
+              <a:cxn ang="0">
+                <a:pos x="connsiteX27" y="connsiteY27"/>
+              </a:cxn>
+              <a:cxn ang="0">
+                <a:pos x="connsiteX28" y="connsiteY28"/>
+              </a:cxn>
+              <a:cxn ang="0">
+                <a:pos x="connsiteX29" y="connsiteY29"/>
+              </a:cxn>
+              <a:cxn ang="0">
+                <a:pos x="connsiteX30" y="connsiteY30"/>
+              </a:cxn>
+              <a:cxn ang="0">
+                <a:pos x="connsiteX31" y="connsiteY31"/>
+              </a:cxn>
+            </a:cxnLst>
+            <a:rect l="l" t="t" r="r" b="b"/>
+            <a:pathLst>
+              <a:path w="7080929" h="4149133">
+                <a:moveTo>
+                  <a:pt x="3523849" y="4120956"/>
+                </a:moveTo>
+                <a:cubicBezTo>
+                  <a:pt x="3103302" y="4122885"/>
+                  <a:pt x="2113667" y="4174971"/>
+                  <a:pt x="1671900" y="4132530"/>
+                </a:cubicBezTo>
+                <a:cubicBezTo>
+                  <a:pt x="1230133" y="4090089"/>
+                  <a:pt x="1087378" y="3983989"/>
+                  <a:pt x="873246" y="3866313"/>
+                </a:cubicBezTo>
+                <a:cubicBezTo>
+                  <a:pt x="659114" y="3748637"/>
+                  <a:pt x="526006" y="3605883"/>
+                  <a:pt x="387110" y="3426475"/>
+                </a:cubicBezTo>
+                <a:cubicBezTo>
+                  <a:pt x="248214" y="3247067"/>
+                  <a:pt x="97742" y="3036794"/>
+                  <a:pt x="39869" y="2789867"/>
+                </a:cubicBezTo>
+                <a:cubicBezTo>
+                  <a:pt x="-18004" y="2542940"/>
+                  <a:pt x="-8359" y="2201487"/>
+                  <a:pt x="39869" y="1944915"/>
+                </a:cubicBezTo>
+                <a:cubicBezTo>
+                  <a:pt x="88097" y="1688343"/>
+                  <a:pt x="182623" y="1456849"/>
+                  <a:pt x="329236" y="1250434"/>
+                </a:cubicBezTo>
+                <a:cubicBezTo>
+                  <a:pt x="475849" y="1044019"/>
+                  <a:pt x="701555" y="837604"/>
+                  <a:pt x="919545" y="706424"/>
+                </a:cubicBezTo>
+                <a:cubicBezTo>
+                  <a:pt x="1137535" y="575244"/>
+                  <a:pt x="1382533" y="482647"/>
+                  <a:pt x="1637176" y="463356"/>
+                </a:cubicBezTo>
+                <a:cubicBezTo>
+                  <a:pt x="1891819" y="444065"/>
+                  <a:pt x="2204335" y="500009"/>
+                  <a:pt x="2447403" y="590677"/>
+                </a:cubicBezTo>
+                <a:cubicBezTo>
+                  <a:pt x="2690471" y="681345"/>
+                  <a:pt x="2894958" y="854966"/>
+                  <a:pt x="3095586" y="1007366"/>
+                </a:cubicBezTo>
+                <a:cubicBezTo>
+                  <a:pt x="3296214" y="1159766"/>
+                  <a:pt x="3437038" y="1391259"/>
+                  <a:pt x="3651170" y="1505077"/>
+                </a:cubicBezTo>
+                <a:cubicBezTo>
+                  <a:pt x="3865302" y="1618895"/>
+                  <a:pt x="4141166" y="1717279"/>
+                  <a:pt x="4380376" y="1690272"/>
+                </a:cubicBezTo>
+                <a:cubicBezTo>
+                  <a:pt x="4619586" y="1663265"/>
+                  <a:pt x="4864583" y="1501219"/>
+                  <a:pt x="5086431" y="1343032"/>
+                </a:cubicBezTo>
+                <a:cubicBezTo>
+                  <a:pt x="5308279" y="1184845"/>
+                  <a:pt x="5510836" y="941776"/>
+                  <a:pt x="5711464" y="741148"/>
+                </a:cubicBezTo>
+                <a:cubicBezTo>
+                  <a:pt x="5912092" y="540520"/>
+                  <a:pt x="6132011" y="262728"/>
+                  <a:pt x="6290198" y="139265"/>
+                </a:cubicBezTo>
+                <a:cubicBezTo>
+                  <a:pt x="6448385" y="15802"/>
+                  <a:pt x="6562203" y="6155"/>
+                  <a:pt x="6660588" y="368"/>
+                </a:cubicBezTo>
+                <a:cubicBezTo>
+                  <a:pt x="6758973" y="-5419"/>
+                  <a:pt x="6820705" y="58242"/>
+                  <a:pt x="6880507" y="104541"/>
+                </a:cubicBezTo>
+                <a:cubicBezTo>
+                  <a:pt x="6940309" y="150840"/>
+                  <a:pt x="6988537" y="183635"/>
+                  <a:pt x="7019403" y="278161"/>
+                </a:cubicBezTo>
+                <a:cubicBezTo>
+                  <a:pt x="7050269" y="372687"/>
+                  <a:pt x="7059915" y="503867"/>
+                  <a:pt x="7065702" y="671700"/>
+                </a:cubicBezTo>
+                <a:cubicBezTo>
+                  <a:pt x="7071489" y="839533"/>
+                  <a:pt x="7056056" y="1049806"/>
+                  <a:pt x="7054127" y="1285158"/>
+                </a:cubicBezTo>
+                <a:cubicBezTo>
+                  <a:pt x="7052198" y="1520510"/>
+                  <a:pt x="7052198" y="1815664"/>
+                  <a:pt x="7054127" y="2083811"/>
+                </a:cubicBezTo>
+                <a:cubicBezTo>
+                  <a:pt x="7056056" y="2351958"/>
+                  <a:pt x="7061844" y="2622034"/>
+                  <a:pt x="7065702" y="2894039"/>
+                </a:cubicBezTo>
+                <a:cubicBezTo>
+                  <a:pt x="7069560" y="3166044"/>
+                  <a:pt x="7088852" y="3553796"/>
+                  <a:pt x="7077277" y="3715842"/>
+                </a:cubicBezTo>
+                <a:cubicBezTo>
+                  <a:pt x="7065702" y="3877888"/>
+                  <a:pt x="7027120" y="3816156"/>
+                  <a:pt x="6996254" y="3866313"/>
+                </a:cubicBezTo>
+                <a:cubicBezTo>
+                  <a:pt x="6965388" y="3916470"/>
+                  <a:pt x="6934522" y="3974344"/>
+                  <a:pt x="6892082" y="4016784"/>
+                </a:cubicBezTo>
+                <a:cubicBezTo>
+                  <a:pt x="6849642" y="4059224"/>
+                  <a:pt x="6822634" y="4103594"/>
+                  <a:pt x="6741611" y="4120956"/>
+                </a:cubicBezTo>
+                <a:cubicBezTo>
+                  <a:pt x="6660588" y="4138318"/>
+                  <a:pt x="6405945" y="4120956"/>
+                  <a:pt x="6405945" y="4120956"/>
+                </a:cubicBezTo>
+                <a:lnTo>
+                  <a:pt x="5792487" y="4120956"/>
+                </a:lnTo>
+                <a:lnTo>
+                  <a:pt x="5005408" y="4132530"/>
+                </a:lnTo>
+                <a:cubicBezTo>
+                  <a:pt x="4739190" y="4132530"/>
+                  <a:pt x="4438249" y="4120956"/>
+                  <a:pt x="4195181" y="4120956"/>
+                </a:cubicBezTo>
+                <a:lnTo>
+                  <a:pt x="3523849" y="4120956"/>
+                </a:lnTo>
+                <a:close/>
+              </a:path>
+            </a:pathLst>
+          </a:custGeom>
+          <a:noFill/>
+          <a:ln w="889000">
+            <a:solidFill>
+              <a:schemeClr val="tx1"/>
+            </a:solidFill>
+          </a:ln>
+        </p:spPr>
+        <p:style>
+          <a:lnRef idx="2">
+            <a:schemeClr val="accent1">
+              <a:shade val="15000"/>
+            </a:schemeClr>
+          </a:lnRef>
+          <a:fillRef idx="1">
+            <a:schemeClr val="accent1"/>
+          </a:fillRef>
+          <a:effectRef idx="0">
+            <a:schemeClr val="accent1"/>
+          </a:effectRef>
+          <a:fontRef idx="minor">
+            <a:schemeClr val="lt1"/>
+          </a:fontRef>
+        </p:style>
+        <p:txBody>
+          <a:bodyPr rtlCol="0" anchor="ctr"/>
+          <a:lstStyle/>
+          <a:p>
+            <a:pPr algn="ctr"/>
+            <a:endParaRPr lang="en-US"/>
+          </a:p>
+        </p:txBody>
+      </p:sp>
+      <p:sp>
+        <p:nvSpPr>
+          <p:cNvPr id="4" name="Freeform 3">
+            <a:extLst>
+              <a:ext uri="{FF2B5EF4-FFF2-40B4-BE49-F238E27FC236}">
+                <a16:creationId xmlns:a16="http://schemas.microsoft.com/office/drawing/2014/main" id="{25B53AFE-BA5E-DDEA-BD6B-06D9E804326D}"/>
+              </a:ext>
+            </a:extLst>
+          </p:cNvPr>
+          <p:cNvSpPr/>
+          <p:nvPr/>
+        </p:nvSpPr>
+        <p:spPr>
+          <a:xfrm>
+            <a:off x="2365036" y="1354433"/>
+            <a:ext cx="7099327" cy="4149133"/>
+          </a:xfrm>
+          <a:custGeom>
+            <a:avLst/>
+            <a:gdLst>
+              <a:gd name="connsiteX0" fmla="*/ 3523849 w 7080929"/>
+              <a:gd name="connsiteY0" fmla="*/ 4120956 h 4149133"/>
+              <a:gd name="connsiteX1" fmla="*/ 1671900 w 7080929"/>
+              <a:gd name="connsiteY1" fmla="*/ 4132530 h 4149133"/>
+              <a:gd name="connsiteX2" fmla="*/ 873246 w 7080929"/>
+              <a:gd name="connsiteY2" fmla="*/ 3866313 h 4149133"/>
+              <a:gd name="connsiteX3" fmla="*/ 387110 w 7080929"/>
+              <a:gd name="connsiteY3" fmla="*/ 3426475 h 4149133"/>
+              <a:gd name="connsiteX4" fmla="*/ 39869 w 7080929"/>
+              <a:gd name="connsiteY4" fmla="*/ 2789867 h 4149133"/>
+              <a:gd name="connsiteX5" fmla="*/ 39869 w 7080929"/>
+              <a:gd name="connsiteY5" fmla="*/ 1944915 h 4149133"/>
+              <a:gd name="connsiteX6" fmla="*/ 329236 w 7080929"/>
+              <a:gd name="connsiteY6" fmla="*/ 1250434 h 4149133"/>
+              <a:gd name="connsiteX7" fmla="*/ 919545 w 7080929"/>
+              <a:gd name="connsiteY7" fmla="*/ 706424 h 4149133"/>
+              <a:gd name="connsiteX8" fmla="*/ 1637176 w 7080929"/>
+              <a:gd name="connsiteY8" fmla="*/ 463356 h 4149133"/>
+              <a:gd name="connsiteX9" fmla="*/ 2447403 w 7080929"/>
+              <a:gd name="connsiteY9" fmla="*/ 590677 h 4149133"/>
+              <a:gd name="connsiteX10" fmla="*/ 3095586 w 7080929"/>
+              <a:gd name="connsiteY10" fmla="*/ 1007366 h 4149133"/>
+              <a:gd name="connsiteX11" fmla="*/ 3651170 w 7080929"/>
+              <a:gd name="connsiteY11" fmla="*/ 1505077 h 4149133"/>
+              <a:gd name="connsiteX12" fmla="*/ 4380376 w 7080929"/>
+              <a:gd name="connsiteY12" fmla="*/ 1690272 h 4149133"/>
+              <a:gd name="connsiteX13" fmla="*/ 5086431 w 7080929"/>
+              <a:gd name="connsiteY13" fmla="*/ 1343032 h 4149133"/>
+              <a:gd name="connsiteX14" fmla="*/ 5711464 w 7080929"/>
+              <a:gd name="connsiteY14" fmla="*/ 741148 h 4149133"/>
+              <a:gd name="connsiteX15" fmla="*/ 6290198 w 7080929"/>
+              <a:gd name="connsiteY15" fmla="*/ 139265 h 4149133"/>
+              <a:gd name="connsiteX16" fmla="*/ 6660588 w 7080929"/>
+              <a:gd name="connsiteY16" fmla="*/ 368 h 4149133"/>
+              <a:gd name="connsiteX17" fmla="*/ 6880507 w 7080929"/>
+              <a:gd name="connsiteY17" fmla="*/ 104541 h 4149133"/>
+              <a:gd name="connsiteX18" fmla="*/ 7019403 w 7080929"/>
+              <a:gd name="connsiteY18" fmla="*/ 278161 h 4149133"/>
+              <a:gd name="connsiteX19" fmla="*/ 7065702 w 7080929"/>
+              <a:gd name="connsiteY19" fmla="*/ 671700 h 4149133"/>
+              <a:gd name="connsiteX20" fmla="*/ 7054127 w 7080929"/>
+              <a:gd name="connsiteY20" fmla="*/ 1285158 h 4149133"/>
+              <a:gd name="connsiteX21" fmla="*/ 7054127 w 7080929"/>
+              <a:gd name="connsiteY21" fmla="*/ 2083811 h 4149133"/>
+              <a:gd name="connsiteX22" fmla="*/ 7065702 w 7080929"/>
+              <a:gd name="connsiteY22" fmla="*/ 2894039 h 4149133"/>
+              <a:gd name="connsiteX23" fmla="*/ 7077277 w 7080929"/>
+              <a:gd name="connsiteY23" fmla="*/ 3715842 h 4149133"/>
+              <a:gd name="connsiteX24" fmla="*/ 6996254 w 7080929"/>
+              <a:gd name="connsiteY24" fmla="*/ 3866313 h 4149133"/>
+              <a:gd name="connsiteX25" fmla="*/ 6892082 w 7080929"/>
+              <a:gd name="connsiteY25" fmla="*/ 4016784 h 4149133"/>
+              <a:gd name="connsiteX26" fmla="*/ 6741611 w 7080929"/>
+              <a:gd name="connsiteY26" fmla="*/ 4120956 h 4149133"/>
+              <a:gd name="connsiteX27" fmla="*/ 6405945 w 7080929"/>
+              <a:gd name="connsiteY27" fmla="*/ 4120956 h 4149133"/>
+              <a:gd name="connsiteX28" fmla="*/ 5792487 w 7080929"/>
+              <a:gd name="connsiteY28" fmla="*/ 4120956 h 4149133"/>
+              <a:gd name="connsiteX29" fmla="*/ 5005408 w 7080929"/>
+              <a:gd name="connsiteY29" fmla="*/ 4132530 h 4149133"/>
+              <a:gd name="connsiteX30" fmla="*/ 4195181 w 7080929"/>
+              <a:gd name="connsiteY30" fmla="*/ 4120956 h 4149133"/>
+              <a:gd name="connsiteX31" fmla="*/ 3523849 w 7080929"/>
+              <a:gd name="connsiteY31" fmla="*/ 4120956 h 4149133"/>
+              <a:gd name="connsiteX0" fmla="*/ 3523849 w 7088316"/>
+              <a:gd name="connsiteY0" fmla="*/ 4120956 h 4149133"/>
+              <a:gd name="connsiteX1" fmla="*/ 1671900 w 7088316"/>
+              <a:gd name="connsiteY1" fmla="*/ 4132530 h 4149133"/>
+              <a:gd name="connsiteX2" fmla="*/ 873246 w 7088316"/>
+              <a:gd name="connsiteY2" fmla="*/ 3866313 h 4149133"/>
+              <a:gd name="connsiteX3" fmla="*/ 387110 w 7088316"/>
+              <a:gd name="connsiteY3" fmla="*/ 3426475 h 4149133"/>
+              <a:gd name="connsiteX4" fmla="*/ 39869 w 7088316"/>
+              <a:gd name="connsiteY4" fmla="*/ 2789867 h 4149133"/>
+              <a:gd name="connsiteX5" fmla="*/ 39869 w 7088316"/>
+              <a:gd name="connsiteY5" fmla="*/ 1944915 h 4149133"/>
+              <a:gd name="connsiteX6" fmla="*/ 329236 w 7088316"/>
+              <a:gd name="connsiteY6" fmla="*/ 1250434 h 4149133"/>
+              <a:gd name="connsiteX7" fmla="*/ 919545 w 7088316"/>
+              <a:gd name="connsiteY7" fmla="*/ 706424 h 4149133"/>
+              <a:gd name="connsiteX8" fmla="*/ 1637176 w 7088316"/>
+              <a:gd name="connsiteY8" fmla="*/ 463356 h 4149133"/>
+              <a:gd name="connsiteX9" fmla="*/ 2447403 w 7088316"/>
+              <a:gd name="connsiteY9" fmla="*/ 590677 h 4149133"/>
+              <a:gd name="connsiteX10" fmla="*/ 3095586 w 7088316"/>
+              <a:gd name="connsiteY10" fmla="*/ 1007366 h 4149133"/>
+              <a:gd name="connsiteX11" fmla="*/ 3651170 w 7088316"/>
+              <a:gd name="connsiteY11" fmla="*/ 1505077 h 4149133"/>
+              <a:gd name="connsiteX12" fmla="*/ 4380376 w 7088316"/>
+              <a:gd name="connsiteY12" fmla="*/ 1690272 h 4149133"/>
+              <a:gd name="connsiteX13" fmla="*/ 5086431 w 7088316"/>
+              <a:gd name="connsiteY13" fmla="*/ 1343032 h 4149133"/>
+              <a:gd name="connsiteX14" fmla="*/ 5711464 w 7088316"/>
+              <a:gd name="connsiteY14" fmla="*/ 741148 h 4149133"/>
+              <a:gd name="connsiteX15" fmla="*/ 6290198 w 7088316"/>
+              <a:gd name="connsiteY15" fmla="*/ 139265 h 4149133"/>
+              <a:gd name="connsiteX16" fmla="*/ 6660588 w 7088316"/>
+              <a:gd name="connsiteY16" fmla="*/ 368 h 4149133"/>
+              <a:gd name="connsiteX17" fmla="*/ 6880507 w 7088316"/>
+              <a:gd name="connsiteY17" fmla="*/ 104541 h 4149133"/>
+              <a:gd name="connsiteX18" fmla="*/ 7019403 w 7088316"/>
+              <a:gd name="connsiteY18" fmla="*/ 278161 h 4149133"/>
+              <a:gd name="connsiteX19" fmla="*/ 7065702 w 7088316"/>
+              <a:gd name="connsiteY19" fmla="*/ 671700 h 4149133"/>
+              <a:gd name="connsiteX20" fmla="*/ 7054127 w 7088316"/>
+              <a:gd name="connsiteY20" fmla="*/ 1285158 h 4149133"/>
+              <a:gd name="connsiteX21" fmla="*/ 7054127 w 7088316"/>
+              <a:gd name="connsiteY21" fmla="*/ 2083811 h 4149133"/>
+              <a:gd name="connsiteX22" fmla="*/ 7065702 w 7088316"/>
+              <a:gd name="connsiteY22" fmla="*/ 2894039 h 4149133"/>
+              <a:gd name="connsiteX23" fmla="*/ 7077277 w 7088316"/>
+              <a:gd name="connsiteY23" fmla="*/ 3715842 h 4149133"/>
+              <a:gd name="connsiteX24" fmla="*/ 6892082 w 7088316"/>
+              <a:gd name="connsiteY24" fmla="*/ 4016784 h 4149133"/>
+              <a:gd name="connsiteX25" fmla="*/ 6741611 w 7088316"/>
+              <a:gd name="connsiteY25" fmla="*/ 4120956 h 4149133"/>
+              <a:gd name="connsiteX26" fmla="*/ 6405945 w 7088316"/>
+              <a:gd name="connsiteY26" fmla="*/ 4120956 h 4149133"/>
+              <a:gd name="connsiteX27" fmla="*/ 5792487 w 7088316"/>
+              <a:gd name="connsiteY27" fmla="*/ 4120956 h 4149133"/>
+              <a:gd name="connsiteX28" fmla="*/ 5005408 w 7088316"/>
+              <a:gd name="connsiteY28" fmla="*/ 4132530 h 4149133"/>
+              <a:gd name="connsiteX29" fmla="*/ 4195181 w 7088316"/>
+              <a:gd name="connsiteY29" fmla="*/ 4120956 h 4149133"/>
+              <a:gd name="connsiteX30" fmla="*/ 3523849 w 7088316"/>
+              <a:gd name="connsiteY30" fmla="*/ 4120956 h 4149133"/>
+              <a:gd name="connsiteX0" fmla="*/ 3523849 w 7099327"/>
+              <a:gd name="connsiteY0" fmla="*/ 4120956 h 4149133"/>
+              <a:gd name="connsiteX1" fmla="*/ 1671900 w 7099327"/>
+              <a:gd name="connsiteY1" fmla="*/ 4132530 h 4149133"/>
+              <a:gd name="connsiteX2" fmla="*/ 873246 w 7099327"/>
+              <a:gd name="connsiteY2" fmla="*/ 3866313 h 4149133"/>
+              <a:gd name="connsiteX3" fmla="*/ 387110 w 7099327"/>
+              <a:gd name="connsiteY3" fmla="*/ 3426475 h 4149133"/>
+              <a:gd name="connsiteX4" fmla="*/ 39869 w 7099327"/>
+              <a:gd name="connsiteY4" fmla="*/ 2789867 h 4149133"/>
+              <a:gd name="connsiteX5" fmla="*/ 39869 w 7099327"/>
+              <a:gd name="connsiteY5" fmla="*/ 1944915 h 4149133"/>
+              <a:gd name="connsiteX6" fmla="*/ 329236 w 7099327"/>
+              <a:gd name="connsiteY6" fmla="*/ 1250434 h 4149133"/>
+              <a:gd name="connsiteX7" fmla="*/ 919545 w 7099327"/>
+              <a:gd name="connsiteY7" fmla="*/ 706424 h 4149133"/>
+              <a:gd name="connsiteX8" fmla="*/ 1637176 w 7099327"/>
+              <a:gd name="connsiteY8" fmla="*/ 463356 h 4149133"/>
+              <a:gd name="connsiteX9" fmla="*/ 2447403 w 7099327"/>
+              <a:gd name="connsiteY9" fmla="*/ 590677 h 4149133"/>
+              <a:gd name="connsiteX10" fmla="*/ 3095586 w 7099327"/>
+              <a:gd name="connsiteY10" fmla="*/ 1007366 h 4149133"/>
+              <a:gd name="connsiteX11" fmla="*/ 3651170 w 7099327"/>
+              <a:gd name="connsiteY11" fmla="*/ 1505077 h 4149133"/>
+              <a:gd name="connsiteX12" fmla="*/ 4380376 w 7099327"/>
+              <a:gd name="connsiteY12" fmla="*/ 1690272 h 4149133"/>
+              <a:gd name="connsiteX13" fmla="*/ 5086431 w 7099327"/>
+              <a:gd name="connsiteY13" fmla="*/ 1343032 h 4149133"/>
+              <a:gd name="connsiteX14" fmla="*/ 5711464 w 7099327"/>
+              <a:gd name="connsiteY14" fmla="*/ 741148 h 4149133"/>
+              <a:gd name="connsiteX15" fmla="*/ 6290198 w 7099327"/>
+              <a:gd name="connsiteY15" fmla="*/ 139265 h 4149133"/>
+              <a:gd name="connsiteX16" fmla="*/ 6660588 w 7099327"/>
+              <a:gd name="connsiteY16" fmla="*/ 368 h 4149133"/>
+              <a:gd name="connsiteX17" fmla="*/ 6880507 w 7099327"/>
+              <a:gd name="connsiteY17" fmla="*/ 104541 h 4149133"/>
+              <a:gd name="connsiteX18" fmla="*/ 7019403 w 7099327"/>
+              <a:gd name="connsiteY18" fmla="*/ 278161 h 4149133"/>
+              <a:gd name="connsiteX19" fmla="*/ 7065702 w 7099327"/>
+              <a:gd name="connsiteY19" fmla="*/ 671700 h 4149133"/>
+              <a:gd name="connsiteX20" fmla="*/ 7054127 w 7099327"/>
+              <a:gd name="connsiteY20" fmla="*/ 1285158 h 4149133"/>
+              <a:gd name="connsiteX21" fmla="*/ 7054127 w 7099327"/>
+              <a:gd name="connsiteY21" fmla="*/ 2083811 h 4149133"/>
+              <a:gd name="connsiteX22" fmla="*/ 7065702 w 7099327"/>
+              <a:gd name="connsiteY22" fmla="*/ 2894039 h 4149133"/>
+              <a:gd name="connsiteX23" fmla="*/ 7077277 w 7099327"/>
+              <a:gd name="connsiteY23" fmla="*/ 3715842 h 4149133"/>
+              <a:gd name="connsiteX24" fmla="*/ 6741611 w 7099327"/>
+              <a:gd name="connsiteY24" fmla="*/ 4120956 h 4149133"/>
+              <a:gd name="connsiteX25" fmla="*/ 6405945 w 7099327"/>
+              <a:gd name="connsiteY25" fmla="*/ 4120956 h 4149133"/>
+              <a:gd name="connsiteX26" fmla="*/ 5792487 w 7099327"/>
+              <a:gd name="connsiteY26" fmla="*/ 4120956 h 4149133"/>
+              <a:gd name="connsiteX27" fmla="*/ 5005408 w 7099327"/>
+              <a:gd name="connsiteY27" fmla="*/ 4132530 h 4149133"/>
+              <a:gd name="connsiteX28" fmla="*/ 4195181 w 7099327"/>
+              <a:gd name="connsiteY28" fmla="*/ 4120956 h 4149133"/>
+              <a:gd name="connsiteX29" fmla="*/ 3523849 w 7099327"/>
+              <a:gd name="connsiteY29" fmla="*/ 4120956 h 4149133"/>
+            </a:gdLst>
+            <a:ahLst/>
+            <a:cxnLst>
+              <a:cxn ang="0">
+                <a:pos x="connsiteX0" y="connsiteY0"/>
+              </a:cxn>
+              <a:cxn ang="0">
+                <a:pos x="connsiteX1" y="connsiteY1"/>
+              </a:cxn>
+              <a:cxn ang="0">
+                <a:pos x="connsiteX2" y="connsiteY2"/>
+              </a:cxn>
+              <a:cxn ang="0">
+                <a:pos x="connsiteX3" y="connsiteY3"/>
+              </a:cxn>
+              <a:cxn ang="0">
+                <a:pos x="connsiteX4" y="connsiteY4"/>
+              </a:cxn>
+              <a:cxn ang="0">
+                <a:pos x="connsiteX5" y="connsiteY5"/>
+              </a:cxn>
+              <a:cxn ang="0">
+                <a:pos x="connsiteX6" y="connsiteY6"/>
+              </a:cxn>
+              <a:cxn ang="0">
+                <a:pos x="connsiteX7" y="connsiteY7"/>
+              </a:cxn>
+              <a:cxn ang="0">
+                <a:pos x="connsiteX8" y="connsiteY8"/>
+              </a:cxn>
+              <a:cxn ang="0">
+                <a:pos x="connsiteX9" y="connsiteY9"/>
+              </a:cxn>
+              <a:cxn ang="0">
+                <a:pos x="connsiteX10" y="connsiteY10"/>
+              </a:cxn>
+              <a:cxn ang="0">
+                <a:pos x="connsiteX11" y="connsiteY11"/>
+              </a:cxn>
+              <a:cxn ang="0">
+                <a:pos x="connsiteX12" y="connsiteY12"/>
+              </a:cxn>
+              <a:cxn ang="0">
+                <a:pos x="connsiteX13" y="connsiteY13"/>
+              </a:cxn>
+              <a:cxn ang="0">
+                <a:pos x="connsiteX14" y="connsiteY14"/>
+              </a:cxn>
+              <a:cxn ang="0">
+                <a:pos x="connsiteX15" y="connsiteY15"/>
+              </a:cxn>
+              <a:cxn ang="0">
+                <a:pos x="connsiteX16" y="connsiteY16"/>
+              </a:cxn>
+              <a:cxn ang="0">
+                <a:pos x="connsiteX17" y="connsiteY17"/>
+              </a:cxn>
+              <a:cxn ang="0">
+                <a:pos x="connsiteX18" y="connsiteY18"/>
+              </a:cxn>
+              <a:cxn ang="0">
+                <a:pos x="connsiteX19" y="connsiteY19"/>
+              </a:cxn>
+              <a:cxn ang="0">
+                <a:pos x="connsiteX20" y="connsiteY20"/>
+              </a:cxn>
+              <a:cxn ang="0">
+                <a:pos x="connsiteX21" y="connsiteY21"/>
+              </a:cxn>
+              <a:cxn ang="0">
+                <a:pos x="connsiteX22" y="connsiteY22"/>
+              </a:cxn>
+              <a:cxn ang="0">
+                <a:pos x="connsiteX23" y="connsiteY23"/>
+              </a:cxn>
+              <a:cxn ang="0">
+                <a:pos x="connsiteX24" y="connsiteY24"/>
+              </a:cxn>
+              <a:cxn ang="0">
+                <a:pos x="connsiteX25" y="connsiteY25"/>
+              </a:cxn>
+              <a:cxn ang="0">
+                <a:pos x="connsiteX26" y="connsiteY26"/>
+              </a:cxn>
+              <a:cxn ang="0">
+                <a:pos x="connsiteX27" y="connsiteY27"/>
+              </a:cxn>
+              <a:cxn ang="0">
+                <a:pos x="connsiteX28" y="connsiteY28"/>
+              </a:cxn>
+              <a:cxn ang="0">
+                <a:pos x="connsiteX29" y="connsiteY29"/>
+              </a:cxn>
+            </a:cxnLst>
+            <a:rect l="l" t="t" r="r" b="b"/>
+            <a:pathLst>
+              <a:path w="7099327" h="4149133">
+                <a:moveTo>
+                  <a:pt x="3523849" y="4120956"/>
+                </a:moveTo>
+                <a:cubicBezTo>
+                  <a:pt x="3103302" y="4122885"/>
+                  <a:pt x="2113667" y="4174971"/>
+                  <a:pt x="1671900" y="4132530"/>
+                </a:cubicBezTo>
+                <a:cubicBezTo>
+                  <a:pt x="1230133" y="4090089"/>
+                  <a:pt x="1087378" y="3983989"/>
+                  <a:pt x="873246" y="3866313"/>
+                </a:cubicBezTo>
+                <a:cubicBezTo>
+                  <a:pt x="659114" y="3748637"/>
+                  <a:pt x="526006" y="3605883"/>
+                  <a:pt x="387110" y="3426475"/>
+                </a:cubicBezTo>
+                <a:cubicBezTo>
+                  <a:pt x="248214" y="3247067"/>
+                  <a:pt x="97742" y="3036794"/>
+                  <a:pt x="39869" y="2789867"/>
+                </a:cubicBezTo>
+                <a:cubicBezTo>
+                  <a:pt x="-18004" y="2542940"/>
+                  <a:pt x="-8359" y="2201487"/>
+                  <a:pt x="39869" y="1944915"/>
+                </a:cubicBezTo>
+                <a:cubicBezTo>
+                  <a:pt x="88097" y="1688343"/>
+                  <a:pt x="182623" y="1456849"/>
+                  <a:pt x="329236" y="1250434"/>
+                </a:cubicBezTo>
+                <a:cubicBezTo>
+                  <a:pt x="475849" y="1044019"/>
+                  <a:pt x="701555" y="837604"/>
+                  <a:pt x="919545" y="706424"/>
+                </a:cubicBezTo>
+                <a:cubicBezTo>
+                  <a:pt x="1137535" y="575244"/>
+                  <a:pt x="1382533" y="482647"/>
+                  <a:pt x="1637176" y="463356"/>
+                </a:cubicBezTo>
+                <a:cubicBezTo>
+                  <a:pt x="1891819" y="444065"/>
+                  <a:pt x="2204335" y="500009"/>
+                  <a:pt x="2447403" y="590677"/>
+                </a:cubicBezTo>
+                <a:cubicBezTo>
+                  <a:pt x="2690471" y="681345"/>
+                  <a:pt x="2894958" y="854966"/>
+                  <a:pt x="3095586" y="1007366"/>
+                </a:cubicBezTo>
+                <a:cubicBezTo>
+                  <a:pt x="3296214" y="1159766"/>
+                  <a:pt x="3437038" y="1391259"/>
+                  <a:pt x="3651170" y="1505077"/>
+                </a:cubicBezTo>
+                <a:cubicBezTo>
+                  <a:pt x="3865302" y="1618895"/>
+                  <a:pt x="4141166" y="1717279"/>
+                  <a:pt x="4380376" y="1690272"/>
+                </a:cubicBezTo>
+                <a:cubicBezTo>
+                  <a:pt x="4619586" y="1663265"/>
+                  <a:pt x="4864583" y="1501219"/>
+                  <a:pt x="5086431" y="1343032"/>
+                </a:cubicBezTo>
+                <a:cubicBezTo>
+                  <a:pt x="5308279" y="1184845"/>
+                  <a:pt x="5510836" y="941776"/>
+                  <a:pt x="5711464" y="741148"/>
+                </a:cubicBezTo>
+                <a:cubicBezTo>
+                  <a:pt x="5912092" y="540520"/>
+                  <a:pt x="6132011" y="262728"/>
+                  <a:pt x="6290198" y="139265"/>
+                </a:cubicBezTo>
+                <a:cubicBezTo>
+                  <a:pt x="6448385" y="15802"/>
+                  <a:pt x="6562203" y="6155"/>
+                  <a:pt x="6660588" y="368"/>
+                </a:cubicBezTo>
+                <a:cubicBezTo>
+                  <a:pt x="6758973" y="-5419"/>
+                  <a:pt x="6820705" y="58242"/>
+                  <a:pt x="6880507" y="104541"/>
+                </a:cubicBezTo>
+                <a:cubicBezTo>
+                  <a:pt x="6940309" y="150840"/>
+                  <a:pt x="6988537" y="183635"/>
+                  <a:pt x="7019403" y="278161"/>
+                </a:cubicBezTo>
+                <a:cubicBezTo>
+                  <a:pt x="7050269" y="372687"/>
+                  <a:pt x="7059915" y="503867"/>
+                  <a:pt x="7065702" y="671700"/>
+                </a:cubicBezTo>
+                <a:cubicBezTo>
+                  <a:pt x="7071489" y="839533"/>
+                  <a:pt x="7056056" y="1049806"/>
+                  <a:pt x="7054127" y="1285158"/>
+                </a:cubicBezTo>
+                <a:cubicBezTo>
+                  <a:pt x="7052198" y="1520510"/>
+                  <a:pt x="7052198" y="1815664"/>
+                  <a:pt x="7054127" y="2083811"/>
+                </a:cubicBezTo>
+                <a:cubicBezTo>
+                  <a:pt x="7056056" y="2351958"/>
+                  <a:pt x="7061844" y="2622034"/>
+                  <a:pt x="7065702" y="2894039"/>
+                </a:cubicBezTo>
+                <a:cubicBezTo>
+                  <a:pt x="7069560" y="3166044"/>
+                  <a:pt x="7131292" y="3511356"/>
+                  <a:pt x="7077277" y="3715842"/>
+                </a:cubicBezTo>
+                <a:cubicBezTo>
+                  <a:pt x="7023262" y="3920328"/>
+                  <a:pt x="6853500" y="4053437"/>
+                  <a:pt x="6741611" y="4120956"/>
+                </a:cubicBezTo>
+                <a:cubicBezTo>
+                  <a:pt x="6660588" y="4138318"/>
+                  <a:pt x="6405945" y="4120956"/>
+                  <a:pt x="6405945" y="4120956"/>
+                </a:cubicBezTo>
+                <a:lnTo>
+                  <a:pt x="5792487" y="4120956"/>
+                </a:lnTo>
+                <a:lnTo>
+                  <a:pt x="5005408" y="4132530"/>
+                </a:lnTo>
+                <a:cubicBezTo>
+                  <a:pt x="4739190" y="4132530"/>
+                  <a:pt x="4438249" y="4120956"/>
+                  <a:pt x="4195181" y="4120956"/>
+                </a:cubicBezTo>
+                <a:lnTo>
+                  <a:pt x="3523849" y="4120956"/>
+                </a:lnTo>
+                <a:close/>
+              </a:path>
+            </a:pathLst>
+          </a:custGeom>
+          <a:noFill/>
+          <a:ln w="127000">
+            <a:solidFill>
+              <a:srgbClr val="FFFF00"/>
+            </a:solidFill>
+            <a:prstDash val="lgDash"/>
+          </a:ln>
+        </p:spPr>
+        <p:style>
+          <a:lnRef idx="2">
+            <a:schemeClr val="accent1">
+              <a:shade val="15000"/>
+            </a:schemeClr>
+          </a:lnRef>
+          <a:fillRef idx="1">
+            <a:schemeClr val="accent1"/>
+          </a:fillRef>
+          <a:effectRef idx="0">
+            <a:schemeClr val="accent1"/>
+          </a:effectRef>
+          <a:fontRef idx="minor">
+            <a:schemeClr val="lt1"/>
+          </a:fontRef>
+        </p:style>
+        <p:txBody>
+          <a:bodyPr rtlCol="0" anchor="ctr"/>
+          <a:lstStyle/>
+          <a:p>
+            <a:pPr algn="ctr"/>
+            <a:endParaRPr lang="en-US"/>
+          </a:p>
+        </p:txBody>
+      </p:sp>
+    </p:spTree>
+    <p:extLst>
+      <p:ext uri="{BB962C8B-B14F-4D97-AF65-F5344CB8AC3E}">
+        <p14:creationId xmlns:p14="http://schemas.microsoft.com/office/powerpoint/2010/main" val="623848636"/>
       </p:ext>
     </p:extLst>
   </p:cSld>

--- a/slides/Track-Standards.pptx
+++ b/slides/Track-Standards.pptx
@@ -4492,7 +4492,7 @@
         </p:nvSpPr>
         <p:spPr>
           <a:xfrm>
-            <a:off x="326923" y="217642"/>
+            <a:off x="0" y="0"/>
             <a:ext cx="3261851" cy="590078"/>
           </a:xfrm>
         </p:spPr>
